--- a/test.pptx
+++ b/test.pptx
@@ -3123,7 +3123,9 @@
         <p:txBody>
           <a:bodyPr/>
           <a:lstStyle/>
-          <a:p>
+          <a:p/>
+          <a:p>
+            <a:pPr/>
             <a:r>
               <a:t>bullet 0</a:t>
             </a:r>
